--- a/Data_Analytics_2018/PPT/Lesson 15 - Data Analytics - Logistic Regression.pptx
+++ b/Data_Analytics_2018/PPT/Lesson 15 - Data Analytics - Logistic Regression.pptx
@@ -2,7 +2,7 @@
 <file path=ppt/presentation.xml><?xml version="1.0" encoding="utf-8"?>
 <p:presentation xmlns:a="http://schemas.openxmlformats.org/drawingml/2006/main" xmlns:r="http://schemas.openxmlformats.org/officeDocument/2006/relationships" xmlns:p="http://schemas.openxmlformats.org/presentationml/2006/main" showSpecialPlsOnTitleSld="0" saveSubsetFonts="1">
   <p:sldMasterIdLst>
-    <p:sldMasterId id="2147483661" r:id="rId1"/>
+    <p:sldMasterId id="2147483674" r:id="rId1"/>
   </p:sldMasterIdLst>
   <p:notesMasterIdLst>
     <p:notesMasterId r:id="rId51"/>
@@ -251,7 +251,7 @@
           <a:p>
             <a:fld id="{12E2E0BF-1E19-48CE-A5B4-11AA1325EE0B}" type="datetimeFigureOut">
               <a:rPr lang="en-US" smtClean="0"/>
-              <a:t>8/1/2018</a:t>
+              <a:t>8/11/2018</a:t>
             </a:fld>
             <a:endParaRPr lang="en-US" dirty="0"/>
           </a:p>
@@ -416,7 +416,7 @@
           <a:p>
             <a:fld id="{B3E6BC81-1184-4954-A4F1-6E56C89D84BE}" type="datetimeFigureOut">
               <a:rPr lang="en-US" smtClean="0"/>
-              <a:t>8/1/2018</a:t>
+              <a:t>8/11/2018</a:t>
             </a:fld>
             <a:endParaRPr lang="en-US" dirty="0"/>
           </a:p>
@@ -826,7 +826,7 @@
           <a:p>
             <a:fld id="{A24D462D-0ABF-4F66-AA29-FCADD808DF8B}" type="datetime1">
               <a:rPr lang="en-US" smtClean="0"/>
-              <a:t>8/1/2018</a:t>
+              <a:t>8/11/2018</a:t>
             </a:fld>
             <a:endParaRPr lang="en-US" dirty="0"/>
           </a:p>
@@ -891,7 +891,7 @@
     </p:spTree>
     <p:extLst>
       <p:ext uri="{BB962C8B-B14F-4D97-AF65-F5344CB8AC3E}">
-        <p14:creationId xmlns:p14="http://schemas.microsoft.com/office/powerpoint/2010/main" val="2250424295"/>
+        <p14:creationId xmlns:p14="http://schemas.microsoft.com/office/powerpoint/2010/main" val="3993408651"/>
       </p:ext>
     </p:extLst>
   </p:cSld>
@@ -1096,7 +1096,7 @@
           <a:p>
             <a:fld id="{E07E8265-18F4-4680-A16E-90ED1CF19BF4}" type="datetime1">
               <a:rPr lang="en-US" smtClean="0"/>
-              <a:t>8/1/2018</a:t>
+              <a:t>8/11/2018</a:t>
             </a:fld>
             <a:endParaRPr lang="en-US" dirty="0"/>
           </a:p>
@@ -1151,7 +1151,7 @@
     </p:spTree>
     <p:extLst>
       <p:ext uri="{BB962C8B-B14F-4D97-AF65-F5344CB8AC3E}">
-        <p14:creationId xmlns:p14="http://schemas.microsoft.com/office/powerpoint/2010/main" val="3880032008"/>
+        <p14:creationId xmlns:p14="http://schemas.microsoft.com/office/powerpoint/2010/main" val="3995513818"/>
       </p:ext>
     </p:extLst>
   </p:cSld>
@@ -1273,7 +1273,7 @@
           <a:p>
             <a:fld id="{50A3F95B-AA19-4AF1-8E3F-0C1F80E644D7}" type="datetime1">
               <a:rPr lang="en-US" smtClean="0"/>
-              <a:t>8/1/2018</a:t>
+              <a:t>8/11/2018</a:t>
             </a:fld>
             <a:endParaRPr lang="en-US" dirty="0"/>
           </a:p>
@@ -1328,7 +1328,7 @@
     </p:spTree>
     <p:extLst>
       <p:ext uri="{BB962C8B-B14F-4D97-AF65-F5344CB8AC3E}">
-        <p14:creationId xmlns:p14="http://schemas.microsoft.com/office/powerpoint/2010/main" val="1586253700"/>
+        <p14:creationId xmlns:p14="http://schemas.microsoft.com/office/powerpoint/2010/main" val="1893062306"/>
       </p:ext>
     </p:extLst>
   </p:cSld>
@@ -1455,7 +1455,7 @@
           <a:p>
             <a:fld id="{CCDBCEF4-92B1-4F4B-B523-BAFBFD103FD6}" type="datetime1">
               <a:rPr lang="en-US" smtClean="0"/>
-              <a:t>8/1/2018</a:t>
+              <a:t>8/11/2018</a:t>
             </a:fld>
             <a:endParaRPr lang="en-US" dirty="0"/>
           </a:p>
@@ -1510,7 +1510,7 @@
     </p:spTree>
     <p:extLst>
       <p:ext uri="{BB962C8B-B14F-4D97-AF65-F5344CB8AC3E}">
-        <p14:creationId xmlns:p14="http://schemas.microsoft.com/office/powerpoint/2010/main" val="2104110930"/>
+        <p14:creationId xmlns:p14="http://schemas.microsoft.com/office/powerpoint/2010/main" val="3792183120"/>
       </p:ext>
     </p:extLst>
   </p:cSld>
@@ -1681,7 +1681,7 @@
             <a:fld id="{13570084-B57A-493D-8A30-572F2D9F55F8}" type="datetime1">
               <a:rPr lang="en-US" smtClean="0"/>
               <a:pPr/>
-              <a:t>8/1/2018</a:t>
+              <a:t>8/11/2018</a:t>
             </a:fld>
             <a:endParaRPr lang="en-US" dirty="0"/>
           </a:p>
@@ -1761,7 +1761,7 @@
     </p:spTree>
     <p:extLst>
       <p:ext uri="{BB962C8B-B14F-4D97-AF65-F5344CB8AC3E}">
-        <p14:creationId xmlns:p14="http://schemas.microsoft.com/office/powerpoint/2010/main" val="1618090185"/>
+        <p14:creationId xmlns:p14="http://schemas.microsoft.com/office/powerpoint/2010/main" val="3551995867"/>
       </p:ext>
     </p:extLst>
   </p:cSld>
@@ -1887,7 +1887,7 @@
             <a:fld id="{13570084-B57A-493D-8A30-572F2D9F55F8}" type="datetime1">
               <a:rPr lang="en-US" smtClean="0"/>
               <a:pPr/>
-              <a:t>8/1/2018</a:t>
+              <a:t>8/11/2018</a:t>
             </a:fld>
             <a:endParaRPr lang="en-US" dirty="0"/>
           </a:p>
@@ -1967,7 +1967,7 @@
     </p:spTree>
     <p:extLst>
       <p:ext uri="{BB962C8B-B14F-4D97-AF65-F5344CB8AC3E}">
-        <p14:creationId xmlns:p14="http://schemas.microsoft.com/office/powerpoint/2010/main" val="2015801424"/>
+        <p14:creationId xmlns:p14="http://schemas.microsoft.com/office/powerpoint/2010/main" val="1078531423"/>
       </p:ext>
     </p:extLst>
   </p:cSld>
@@ -2166,7 +2166,7 @@
           <a:p>
             <a:fld id="{8F7D0969-017A-4CFD-B470-B6959400D96E}" type="datetime1">
               <a:rPr lang="en-US" smtClean="0"/>
-              <a:t>8/1/2018</a:t>
+              <a:t>8/11/2018</a:t>
             </a:fld>
             <a:endParaRPr lang="en-US" dirty="0"/>
           </a:p>
@@ -2221,7 +2221,7 @@
     </p:spTree>
     <p:extLst>
       <p:ext uri="{BB962C8B-B14F-4D97-AF65-F5344CB8AC3E}">
-        <p14:creationId xmlns:p14="http://schemas.microsoft.com/office/powerpoint/2010/main" val="2052927653"/>
+        <p14:creationId xmlns:p14="http://schemas.microsoft.com/office/powerpoint/2010/main" val="3585653876"/>
       </p:ext>
     </p:extLst>
   </p:cSld>
@@ -2267,6 +2267,7 @@
               <a:rPr lang="en-US"/>
               <a:t>Click to edit Master title style</a:t>
             </a:r>
+            <a:endParaRPr lang="en-US" dirty="0"/>
           </a:p>
         </p:txBody>
       </p:sp>
@@ -2282,8 +2283,8 @@
         </p:nvSpPr>
         <p:spPr>
           <a:xfrm>
-            <a:off x="838200" y="1825625"/>
-            <a:ext cx="5181600" cy="4351338"/>
+            <a:off x="406400" y="1354666"/>
+            <a:ext cx="5613400" cy="5046134"/>
           </a:xfrm>
         </p:spPr>
         <p:txBody>
@@ -2390,8 +2391,8 @@
         </p:nvSpPr>
         <p:spPr>
           <a:xfrm>
-            <a:off x="6172200" y="1825625"/>
-            <a:ext cx="5181600" cy="4351338"/>
+            <a:off x="6172199" y="1354666"/>
+            <a:ext cx="5469467" cy="5046134"/>
           </a:xfrm>
         </p:spPr>
         <p:txBody>
@@ -2431,6 +2432,7 @@
               <a:rPr lang="en-US"/>
               <a:t>Fifth level</a:t>
             </a:r>
+            <a:endParaRPr lang="en-US" dirty="0"/>
           </a:p>
         </p:txBody>
       </p:sp>
@@ -2451,7 +2453,7 @@
           <a:p>
             <a:fld id="{E7244459-F2A5-4FF9-8125-3DD79827DEF5}" type="datetime1">
               <a:rPr lang="en-US" smtClean="0"/>
-              <a:t>8/1/2018</a:t>
+              <a:t>8/11/2018</a:t>
             </a:fld>
             <a:endParaRPr lang="en-US" dirty="0"/>
           </a:p>
@@ -2506,7 +2508,7 @@
     </p:spTree>
     <p:extLst>
       <p:ext uri="{BB962C8B-B14F-4D97-AF65-F5344CB8AC3E}">
-        <p14:creationId xmlns:p14="http://schemas.microsoft.com/office/powerpoint/2010/main" val="1589032184"/>
+        <p14:creationId xmlns:p14="http://schemas.microsoft.com/office/powerpoint/2010/main" val="4163170973"/>
       </p:ext>
     </p:extLst>
   </p:cSld>
@@ -2545,8 +2547,8 @@
         </p:nvSpPr>
         <p:spPr>
           <a:xfrm>
-            <a:off x="839788" y="161926"/>
-            <a:ext cx="8536439" cy="1325563"/>
+            <a:off x="381000" y="5555"/>
+            <a:ext cx="10151533" cy="1325563"/>
           </a:xfrm>
         </p:spPr>
         <p:txBody>
@@ -2567,17 +2569,17 @@
             <a:spLocks noGrp="1"/>
           </p:cNvSpPr>
           <p:nvPr>
-            <p:ph type="body" idx="1"/>
+            <p:ph type="body" idx="1" hasCustomPrompt="1"/>
           </p:nvPr>
         </p:nvSpPr>
         <p:spPr>
           <a:xfrm>
-            <a:off x="839788" y="1681163"/>
-            <a:ext cx="5157787" cy="823912"/>
+            <a:off x="381000" y="1444096"/>
+            <a:ext cx="5616575" cy="823912"/>
           </a:xfrm>
         </p:spPr>
         <p:txBody>
-          <a:bodyPr anchor="b"/>
+          <a:bodyPr anchor="ctr"/>
           <a:lstStyle>
             <a:lvl1pPr marL="0" indent="0">
               <a:buNone/>
@@ -2619,8 +2621,8 @@
           <a:p>
             <a:pPr lvl="0"/>
             <a:r>
-              <a:rPr lang="en-US"/>
-              <a:t>Edit Master text styles</a:t>
+              <a:rPr lang="en-US" dirty="0"/>
+              <a:t>Click to edit Master text styles</a:t>
             </a:r>
           </a:p>
         </p:txBody>
@@ -2637,8 +2639,8 @@
         </p:nvSpPr>
         <p:spPr>
           <a:xfrm>
-            <a:off x="839788" y="2505075"/>
-            <a:ext cx="5157787" cy="3684588"/>
+            <a:off x="381000" y="2268007"/>
+            <a:ext cx="5616575" cy="4014259"/>
           </a:xfrm>
         </p:spPr>
         <p:txBody>
@@ -2688,17 +2690,17 @@
             <a:spLocks noGrp="1"/>
           </p:cNvSpPr>
           <p:nvPr>
-            <p:ph type="body" sz="quarter" idx="3"/>
+            <p:ph type="body" sz="quarter" idx="3" hasCustomPrompt="1"/>
           </p:nvPr>
         </p:nvSpPr>
         <p:spPr>
           <a:xfrm>
-            <a:off x="6172200" y="1681163"/>
-            <a:ext cx="5183188" cy="823912"/>
+            <a:off x="6172200" y="1444096"/>
+            <a:ext cx="5638800" cy="823912"/>
           </a:xfrm>
         </p:spPr>
         <p:txBody>
-          <a:bodyPr anchor="b"/>
+          <a:bodyPr anchor="ctr"/>
           <a:lstStyle>
             <a:lvl1pPr marL="0" indent="0">
               <a:buNone/>
@@ -2740,8 +2742,8 @@
           <a:p>
             <a:pPr lvl="0"/>
             <a:r>
-              <a:rPr lang="en-US"/>
-              <a:t>Edit Master text styles</a:t>
+              <a:rPr lang="en-US" dirty="0"/>
+              <a:t>Click to edit Master text styles</a:t>
             </a:r>
           </a:p>
         </p:txBody>
@@ -2758,8 +2760,8 @@
         </p:nvSpPr>
         <p:spPr>
           <a:xfrm>
-            <a:off x="6172200" y="2505075"/>
-            <a:ext cx="5183188" cy="3684588"/>
+            <a:off x="6172199" y="2268007"/>
+            <a:ext cx="5616575" cy="4014259"/>
           </a:xfrm>
         </p:spPr>
         <p:txBody>
@@ -2819,7 +2821,7 @@
           <a:p>
             <a:fld id="{B3A53202-F90A-473F-9577-0694CB3DE811}" type="datetime1">
               <a:rPr lang="en-US" smtClean="0"/>
-              <a:t>8/1/2018</a:t>
+              <a:t>8/11/2018</a:t>
             </a:fld>
             <a:endParaRPr lang="en-US" dirty="0"/>
           </a:p>
@@ -2874,7 +2876,7 @@
     </p:spTree>
     <p:extLst>
       <p:ext uri="{BB962C8B-B14F-4D97-AF65-F5344CB8AC3E}">
-        <p14:creationId xmlns:p14="http://schemas.microsoft.com/office/powerpoint/2010/main" val="750727136"/>
+        <p14:creationId xmlns:p14="http://schemas.microsoft.com/office/powerpoint/2010/main" val="1922795527"/>
       </p:ext>
     </p:extLst>
   </p:cSld>
@@ -2954,7 +2956,7 @@
             <a:fld id="{64FA1387-E9BD-4269-B052-15A23CD1D16B}" type="datetime1">
               <a:rPr lang="en-US" smtClean="0"/>
               <a:pPr/>
-              <a:t>8/1/2018</a:t>
+              <a:t>8/11/2018</a:t>
             </a:fld>
             <a:endParaRPr lang="en-US" dirty="0"/>
           </a:p>
@@ -3034,7 +3036,7 @@
     </p:spTree>
     <p:extLst>
       <p:ext uri="{BB962C8B-B14F-4D97-AF65-F5344CB8AC3E}">
-        <p14:creationId xmlns:p14="http://schemas.microsoft.com/office/powerpoint/2010/main" val="560897578"/>
+        <p14:creationId xmlns:p14="http://schemas.microsoft.com/office/powerpoint/2010/main" val="3039989988"/>
       </p:ext>
     </p:extLst>
   </p:cSld>
@@ -3078,7 +3080,7 @@
           <a:p>
             <a:fld id="{A197E209-8033-4044-BA05-35D0B8A61D52}" type="datetime1">
               <a:rPr lang="en-US" smtClean="0"/>
-              <a:t>8/1/2018</a:t>
+              <a:t>8/11/2018</a:t>
             </a:fld>
             <a:endParaRPr lang="en-US" dirty="0"/>
           </a:p>
@@ -3133,7 +3135,7 @@
     </p:spTree>
     <p:extLst>
       <p:ext uri="{BB962C8B-B14F-4D97-AF65-F5344CB8AC3E}">
-        <p14:creationId xmlns:p14="http://schemas.microsoft.com/office/powerpoint/2010/main" val="1991321509"/>
+        <p14:creationId xmlns:p14="http://schemas.microsoft.com/office/powerpoint/2010/main" val="1280244362"/>
       </p:ext>
     </p:extLst>
   </p:cSld>
@@ -3357,7 +3359,7 @@
           <a:p>
             <a:fld id="{488CFC0E-11F7-458D-9C54-1B7C7C814EDD}" type="datetime1">
               <a:rPr lang="en-US" smtClean="0"/>
-              <a:t>8/1/2018</a:t>
+              <a:t>8/11/2018</a:t>
             </a:fld>
             <a:endParaRPr lang="en-US" dirty="0"/>
           </a:p>
@@ -3412,7 +3414,7 @@
     </p:spTree>
     <p:extLst>
       <p:ext uri="{BB962C8B-B14F-4D97-AF65-F5344CB8AC3E}">
-        <p14:creationId xmlns:p14="http://schemas.microsoft.com/office/powerpoint/2010/main" val="2833235081"/>
+        <p14:creationId xmlns:p14="http://schemas.microsoft.com/office/powerpoint/2010/main" val="3799054585"/>
       </p:ext>
     </p:extLst>
   </p:cSld>
@@ -3589,8 +3591,8 @@
         </p:nvSpPr>
         <p:spPr>
           <a:xfrm>
-            <a:off x="406400" y="91440"/>
-            <a:ext cx="11393714" cy="1234123"/>
+            <a:off x="406400" y="6770"/>
+            <a:ext cx="10049933" cy="1234123"/>
           </a:xfrm>
           <a:prstGeom prst="rect">
             <a:avLst/>
@@ -3621,8 +3623,8 @@
         </p:nvSpPr>
         <p:spPr>
           <a:xfrm>
-            <a:off x="406400" y="1489166"/>
-            <a:ext cx="11393714" cy="4687797"/>
+            <a:off x="406400" y="1337187"/>
+            <a:ext cx="11393714" cy="5064803"/>
           </a:xfrm>
           <a:prstGeom prst="rect">
             <a:avLst/>
@@ -3704,7 +3706,7 @@
           <a:p>
             <a:fld id="{DA3380A9-99D8-412F-8F98-2C2792A83619}" type="datetime1">
               <a:rPr lang="en-US" smtClean="0"/>
-              <a:t>8/1/2018</a:t>
+              <a:t>8/11/2018</a:t>
             </a:fld>
             <a:endParaRPr lang="en-US" dirty="0"/>
           </a:p>
@@ -3830,27 +3832,70 @@
           </a:fontRef>
         </p:style>
       </p:cxnSp>
+      <p:pic>
+        <p:nvPicPr>
+          <p:cNvPr id="10" name="Picture 9" descr="A close up of a sign&#10;&#10;Description generated with very high confidence">
+            <a:extLst>
+              <a:ext uri="{FF2B5EF4-FFF2-40B4-BE49-F238E27FC236}">
+                <a16:creationId xmlns:a16="http://schemas.microsoft.com/office/drawing/2014/main" id="{6D9D6532-6138-406D-8115-7BAFD8D73FEB}"/>
+              </a:ext>
+            </a:extLst>
+          </p:cNvPr>
+          <p:cNvPicPr>
+            <a:picLocks noChangeAspect="1"/>
+          </p:cNvPicPr>
+          <p:nvPr/>
+        </p:nvPicPr>
+        <p:blipFill>
+          <a:blip r:embed="rId16">
+            <a:duotone>
+              <a:schemeClr val="bg2">
+                <a:shade val="45000"/>
+                <a:satMod val="135000"/>
+              </a:schemeClr>
+              <a:prstClr val="white"/>
+            </a:duotone>
+            <a:extLst>
+              <a:ext uri="{28A0092B-C50C-407E-A947-70E740481C1C}">
+                <a14:useLocalDpi xmlns:a14="http://schemas.microsoft.com/office/drawing/2010/main" val="0"/>
+              </a:ext>
+            </a:extLst>
+          </a:blip>
+          <a:stretch>
+            <a:fillRect/>
+          </a:stretch>
+        </p:blipFill>
+        <p:spPr>
+          <a:xfrm>
+            <a:off x="10634133" y="96294"/>
+            <a:ext cx="1165981" cy="1229580"/>
+          </a:xfrm>
+          <a:prstGeom prst="rect">
+            <a:avLst/>
+          </a:prstGeom>
+        </p:spPr>
+      </p:pic>
     </p:spTree>
     <p:extLst>
       <p:ext uri="{BB962C8B-B14F-4D97-AF65-F5344CB8AC3E}">
-        <p14:creationId xmlns:p14="http://schemas.microsoft.com/office/powerpoint/2010/main" val="674436051"/>
+        <p14:creationId xmlns:p14="http://schemas.microsoft.com/office/powerpoint/2010/main" val="944621973"/>
       </p:ext>
     </p:extLst>
   </p:cSld>
   <p:clrMap bg1="lt1" tx1="dk1" bg2="lt2" tx2="dk2" accent1="accent1" accent2="accent2" accent3="accent3" accent4="accent4" accent5="accent5" accent6="accent6" hlink="hlink" folHlink="folHlink"/>
   <p:sldLayoutIdLst>
-    <p:sldLayoutId id="2147483662" r:id="rId1"/>
-    <p:sldLayoutId id="2147483663" r:id="rId2"/>
-    <p:sldLayoutId id="2147483664" r:id="rId3"/>
-    <p:sldLayoutId id="2147483665" r:id="rId4"/>
-    <p:sldLayoutId id="2147483666" r:id="rId5"/>
-    <p:sldLayoutId id="2147483667" r:id="rId6"/>
-    <p:sldLayoutId id="2147483668" r:id="rId7"/>
-    <p:sldLayoutId id="2147483669" r:id="rId8"/>
-    <p:sldLayoutId id="2147483670" r:id="rId9"/>
-    <p:sldLayoutId id="2147483671" r:id="rId10"/>
-    <p:sldLayoutId id="2147483672" r:id="rId11"/>
-    <p:sldLayoutId id="2147483673" r:id="rId12"/>
+    <p:sldLayoutId id="2147483675" r:id="rId1"/>
+    <p:sldLayoutId id="2147483676" r:id="rId2"/>
+    <p:sldLayoutId id="2147483677" r:id="rId3"/>
+    <p:sldLayoutId id="2147483678" r:id="rId4"/>
+    <p:sldLayoutId id="2147483679" r:id="rId5"/>
+    <p:sldLayoutId id="2147483680" r:id="rId6"/>
+    <p:sldLayoutId id="2147483681" r:id="rId7"/>
+    <p:sldLayoutId id="2147483682" r:id="rId8"/>
+    <p:sldLayoutId id="2147483683" r:id="rId9"/>
+    <p:sldLayoutId id="2147483684" r:id="rId10"/>
+    <p:sldLayoutId id="2147483685" r:id="rId11"/>
+    <p:sldLayoutId id="2147483686" r:id="rId12"/>
   </p:sldLayoutIdLst>
   <p:hf hdr="0"/>
   <p:txStyles>
@@ -4375,8 +4420,8 @@
         </p:blipFill>
         <p:spPr>
           <a:xfrm>
-            <a:off x="6172200" y="2352603"/>
-            <a:ext cx="5181600" cy="3297381"/>
+            <a:off x="6172200" y="2137352"/>
+            <a:ext cx="5468938" cy="3480233"/>
           </a:xfrm>
           <a:prstGeom prst="rect">
             <a:avLst/>
@@ -4400,7 +4445,7 @@
           <a:p>
             <a:fld id="{E7244459-F2A5-4FF9-8125-3DD79827DEF5}" type="datetime1">
               <a:rPr lang="en-US" smtClean="0"/>
-              <a:t>8/1/2018</a:t>
+              <a:t>8/11/2018</a:t>
             </a:fld>
             <a:endParaRPr lang="en-US" dirty="0"/>
           </a:p>
@@ -4692,7 +4737,7 @@
           <a:p>
             <a:fld id="{E7244459-F2A5-4FF9-8125-3DD79827DEF5}" type="datetime1">
               <a:rPr lang="en-US" smtClean="0"/>
-              <a:t>8/1/2018</a:t>
+              <a:t>8/11/2018</a:t>
             </a:fld>
             <a:endParaRPr lang="en-US" dirty="0"/>
           </a:p>
@@ -5107,7 +5152,7 @@
           <a:p>
             <a:fld id="{E7244459-F2A5-4FF9-8125-3DD79827DEF5}" type="datetime1">
               <a:rPr lang="en-US" smtClean="0"/>
-              <a:t>8/1/2018</a:t>
+              <a:t>8/11/2018</a:t>
             </a:fld>
             <a:endParaRPr lang="en-US" dirty="0"/>
           </a:p>
@@ -5324,7 +5369,16 @@
                         </a:solidFill>
                         <a:latin typeface="Cambria Math" panose="02040503050406030204" pitchFamily="18" charset="0"/>
                       </a:rPr>
-                      <m:t>= 1</m:t>
+                      <m:t>= </m:t>
+                    </m:r>
+                    <m:r>
+                      <a:rPr lang="en-US" i="1">
+                        <a:solidFill>
+                          <a:srgbClr val="FFC000"/>
+                        </a:solidFill>
+                        <a:latin typeface="Cambria Math" panose="02040503050406030204" pitchFamily="18" charset="0"/>
+                      </a:rPr>
+                      <m:t>1</m:t>
                     </m:r>
                   </m:oMath>
                 </a14:m>
@@ -5395,7 +5449,16 @@
                         </a:solidFill>
                         <a:latin typeface="Cambria Math" panose="02040503050406030204" pitchFamily="18" charset="0"/>
                       </a:rPr>
-                      <m:t>= 0</m:t>
+                      <m:t>= </m:t>
+                    </m:r>
+                    <m:r>
+                      <a:rPr lang="en-US" i="1">
+                        <a:solidFill>
+                          <a:srgbClr val="FFC000"/>
+                        </a:solidFill>
+                        <a:latin typeface="Cambria Math" panose="02040503050406030204" pitchFamily="18" charset="0"/>
+                      </a:rPr>
+                      <m:t>0</m:t>
                     </m:r>
                   </m:oMath>
                 </a14:m>
@@ -5625,7 +5688,13 @@
                             <a:rPr lang="en-US" b="0" i="1" smtClean="0">
                               <a:latin typeface="Cambria Math" panose="02040503050406030204" pitchFamily="18" charset="0"/>
                             </a:rPr>
-                            <m:t>=1</m:t>
+                            <m:t>=</m:t>
+                          </m:r>
+                          <m:r>
+                            <a:rPr lang="en-US" b="0" i="1" smtClean="0">
+                              <a:latin typeface="Cambria Math" panose="02040503050406030204" pitchFamily="18" charset="0"/>
+                            </a:rPr>
+                            <m:t>1</m:t>
                           </m:r>
                         </m:sub>
                         <m:sup>
@@ -5698,7 +5767,13 @@
                                     <a:rPr lang="en-US" i="1">
                                       <a:latin typeface="Cambria Math" panose="02040503050406030204" pitchFamily="18" charset="0"/>
                                     </a:rPr>
-                                    <m:t>1 − </m:t>
+                                    <m:t>1</m:t>
+                                  </m:r>
+                                  <m:r>
+                                    <a:rPr lang="en-US" i="1">
+                                      <a:latin typeface="Cambria Math" panose="02040503050406030204" pitchFamily="18" charset="0"/>
+                                    </a:rPr>
+                                    <m:t> − </m:t>
                                   </m:r>
                                   <m:r>
                                     <a:rPr lang="en-US" i="1">
@@ -5819,7 +5894,13 @@
                                   <a:rPr lang="en-US" b="0" i="1" smtClean="0">
                                     <a:latin typeface="Cambria Math" panose="02040503050406030204" pitchFamily="18" charset="0"/>
                                   </a:rPr>
-                                  <m:t>=1</m:t>
+                                  <m:t>=</m:t>
+                                </m:r>
+                                <m:r>
+                                  <a:rPr lang="en-US" b="0" i="1" smtClean="0">
+                                    <a:latin typeface="Cambria Math" panose="02040503050406030204" pitchFamily="18" charset="0"/>
+                                  </a:rPr>
+                                  <m:t>1</m:t>
                                 </m:r>
                               </m:e>
                             </m:eqArr>
@@ -5875,7 +5956,19 @@
                           <a:rPr lang="en-US" b="0" i="1" smtClean="0">
                             <a:latin typeface="Cambria Math" panose="02040503050406030204" pitchFamily="18" charset="0"/>
                           </a:rPr>
-                          <m:t>(1−</m:t>
+                          <m:t>(</m:t>
+                        </m:r>
+                        <m:r>
+                          <a:rPr lang="en-US" b="0" i="1" smtClean="0">
+                            <a:latin typeface="Cambria Math" panose="02040503050406030204" pitchFamily="18" charset="0"/>
+                          </a:rPr>
+                          <m:t>1</m:t>
+                        </m:r>
+                        <m:r>
+                          <a:rPr lang="en-US" b="0" i="1" smtClean="0">
+                            <a:latin typeface="Cambria Math" panose="02040503050406030204" pitchFamily="18" charset="0"/>
+                          </a:rPr>
+                          <m:t>−</m:t>
                         </m:r>
                         <m:r>
                           <a:rPr lang="en-US" b="0" i="1" smtClean="0">
@@ -5921,7 +6014,13 @@
                               <a:rPr lang="en-US" b="0" i="1" smtClean="0">
                                 <a:latin typeface="Cambria Math" panose="02040503050406030204" pitchFamily="18" charset="0"/>
                               </a:rPr>
-                              <m:t>=1</m:t>
+                              <m:t>=</m:t>
+                            </m:r>
+                            <m:r>
+                              <a:rPr lang="en-US" b="0" i="1" smtClean="0">
+                                <a:latin typeface="Cambria Math" panose="02040503050406030204" pitchFamily="18" charset="0"/>
+                              </a:rPr>
+                              <m:t>1</m:t>
                             </m:r>
                           </m:sub>
                           <m:sup>
@@ -6077,7 +6176,13 @@
                                 <a:rPr lang="en-US" b="0" i="1" smtClean="0">
                                   <a:latin typeface="Cambria Math" panose="02040503050406030204" pitchFamily="18" charset="0"/>
                                 </a:rPr>
-                                <m:t>=1</m:t>
+                                <m:t>=</m:t>
+                              </m:r>
+                              <m:r>
+                                <a:rPr lang="en-US" b="0" i="1" smtClean="0">
+                                  <a:latin typeface="Cambria Math" panose="02040503050406030204" pitchFamily="18" charset="0"/>
+                                </a:rPr>
+                                <m:t>1</m:t>
                               </m:r>
                             </m:sub>
                             <m:sup>
@@ -6215,7 +6320,13 @@
                                 <a:rPr lang="en-US" b="0" i="1" smtClean="0">
                                   <a:latin typeface="Cambria Math" panose="02040503050406030204" pitchFamily="18" charset="0"/>
                                 </a:rPr>
-                                <m:t>=1</m:t>
+                                <m:t>=</m:t>
+                              </m:r>
+                              <m:r>
+                                <a:rPr lang="en-US" b="0" i="1" smtClean="0">
+                                  <a:latin typeface="Cambria Math" panose="02040503050406030204" pitchFamily="18" charset="0"/>
+                                </a:rPr>
+                                <m:t>1</m:t>
                               </m:r>
                             </m:sub>
                             <m:sup>
@@ -6289,7 +6400,13 @@
                                 <a:rPr lang="en-US" i="1" smtClean="0">
                                   <a:latin typeface="Cambria Math" panose="02040503050406030204" pitchFamily="18" charset="0"/>
                                 </a:rPr>
-                                <m:t>1 − </m:t>
+                                <m:t>1</m:t>
+                              </m:r>
+                              <m:r>
+                                <a:rPr lang="en-US" i="1" smtClean="0">
+                                  <a:latin typeface="Cambria Math" panose="02040503050406030204" pitchFamily="18" charset="0"/>
+                                </a:rPr>
+                                <m:t> − </m:t>
                               </m:r>
                               <m:r>
                                 <a:rPr lang="en-US" i="1">
@@ -6373,7 +6490,7 @@
           <a:p>
             <a:fld id="{E7244459-F2A5-4FF9-8125-3DD79827DEF5}" type="datetime1">
               <a:rPr lang="en-US" smtClean="0"/>
-              <a:t>8/1/2018</a:t>
+              <a:t>8/11/2018</a:t>
             </a:fld>
             <a:endParaRPr lang="en-US" dirty="0"/>
           </a:p>
@@ -6636,7 +6753,7 @@
           <a:p>
             <a:fld id="{E7244459-F2A5-4FF9-8125-3DD79827DEF5}" type="datetime1">
               <a:rPr lang="en-US" smtClean="0"/>
-              <a:t>8/1/2018</a:t>
+              <a:t>8/11/2018</a:t>
             </a:fld>
             <a:endParaRPr lang="en-US" dirty="0"/>
           </a:p>
@@ -7013,7 +7130,7 @@
           <a:p>
             <a:fld id="{E7244459-F2A5-4FF9-8125-3DD79827DEF5}" type="datetime1">
               <a:rPr lang="en-US" smtClean="0"/>
-              <a:t>8/1/2018</a:t>
+              <a:t>8/11/2018</a:t>
             </a:fld>
             <a:endParaRPr lang="en-US" dirty="0"/>
           </a:p>
@@ -9146,7 +9263,7 @@
           <a:p>
             <a:fld id="{E7244459-F2A5-4FF9-8125-3DD79827DEF5}" type="datetime1">
               <a:rPr lang="en-US" smtClean="0"/>
-              <a:t>8/1/2018</a:t>
+              <a:t>8/11/2018</a:t>
             </a:fld>
             <a:endParaRPr lang="en-US" dirty="0"/>
           </a:p>
@@ -9852,7 +9969,7 @@
           <a:p>
             <a:fld id="{E7244459-F2A5-4FF9-8125-3DD79827DEF5}" type="datetime1">
               <a:rPr lang="en-US" smtClean="0"/>
-              <a:t>8/1/2018</a:t>
+              <a:t>8/11/2018</a:t>
             </a:fld>
             <a:endParaRPr lang="en-US" dirty="0"/>
           </a:p>
@@ -10590,7 +10707,7 @@
           <a:p>
             <a:fld id="{E7244459-F2A5-4FF9-8125-3DD79827DEF5}" type="datetime1">
               <a:rPr lang="en-US" smtClean="0"/>
-              <a:t>8/1/2018</a:t>
+              <a:t>8/11/2018</a:t>
             </a:fld>
             <a:endParaRPr lang="en-US" dirty="0"/>
           </a:p>
@@ -12477,7 +12594,7 @@
           <a:p>
             <a:fld id="{E7244459-F2A5-4FF9-8125-3DD79827DEF5}" type="datetime1">
               <a:rPr lang="en-US" smtClean="0"/>
-              <a:t>8/1/2018</a:t>
+              <a:t>8/11/2018</a:t>
             </a:fld>
             <a:endParaRPr lang="en-US" dirty="0"/>
           </a:p>
@@ -12631,7 +12748,7 @@
             <a:fld id="{13570084-B57A-493D-8A30-572F2D9F55F8}" type="datetime1">
               <a:rPr lang="en-US" smtClean="0"/>
               <a:pPr/>
-              <a:t>8/1/2018</a:t>
+              <a:t>8/11/2018</a:t>
             </a:fld>
             <a:endParaRPr lang="en-US" dirty="0"/>
           </a:p>
@@ -13119,7 +13236,7 @@
           <a:p>
             <a:fld id="{E7244459-F2A5-4FF9-8125-3DD79827DEF5}" type="datetime1">
               <a:rPr lang="en-US" smtClean="0"/>
-              <a:t>8/1/2018</a:t>
+              <a:t>8/11/2018</a:t>
             </a:fld>
             <a:endParaRPr lang="en-US" dirty="0"/>
           </a:p>
@@ -13587,7 +13704,7 @@
           <a:p>
             <a:fld id="{E7244459-F2A5-4FF9-8125-3DD79827DEF5}" type="datetime1">
               <a:rPr lang="en-US" smtClean="0"/>
-              <a:t>8/1/2018</a:t>
+              <a:t>8/11/2018</a:t>
             </a:fld>
             <a:endParaRPr lang="en-US" dirty="0"/>
           </a:p>
@@ -14445,7 +14562,7 @@
           <a:p>
             <a:fld id="{E7244459-F2A5-4FF9-8125-3DD79827DEF5}" type="datetime1">
               <a:rPr lang="en-US" smtClean="0"/>
-              <a:t>8/1/2018</a:t>
+              <a:t>8/11/2018</a:t>
             </a:fld>
             <a:endParaRPr lang="en-US" dirty="0"/>
           </a:p>
@@ -14629,8 +14746,8 @@
           </p:sp>
         </mc:Fallback>
       </mc:AlternateContent>
-      <mc:AlternateContent xmlns:mc="http://schemas.openxmlformats.org/markup-compatibility/2006" xmlns:a14="http://schemas.microsoft.com/office/drawing/2010/main">
-        <mc:Choice Requires="a14">
+      <mc:AlternateContent xmlns:mc="http://schemas.openxmlformats.org/markup-compatibility/2006">
+        <mc:Choice xmlns:a14="http://schemas.microsoft.com/office/drawing/2010/main" Requires="a14">
           <p:sp>
             <p:nvSpPr>
               <p:cNvPr id="3" name="Content Placeholder 2"/>
@@ -14644,7 +14761,7 @@
             <p:spPr/>
             <p:txBody>
               <a:bodyPr>
-                <a:normAutofit fontScale="85000" lnSpcReduction="10000"/>
+                <a:normAutofit fontScale="92500"/>
               </a:bodyPr>
               <a:lstStyle/>
               <a:p>
@@ -15133,7 +15250,7 @@
             </p:txBody>
           </p:sp>
         </mc:Choice>
-        <mc:Fallback xmlns="">
+        <mc:Fallback>
           <p:sp>
             <p:nvSpPr>
               <p:cNvPr id="3" name="Content Placeholder 2"/>
@@ -15148,7 +15265,7 @@
               <a:blipFill>
                 <a:blip r:embed="rId3"/>
                 <a:stretch>
-                  <a:fillRect l="-1647" t="-2661" r="-2471"/>
+                  <a:fillRect l="-1737" t="-1812" r="-2172"/>
                 </a:stretch>
               </a:blipFill>
             </p:spPr>
@@ -15186,7 +15303,7 @@
         <p:spPr/>
         <p:txBody>
           <a:bodyPr>
-            <a:normAutofit/>
+            <a:normAutofit fontScale="92500"/>
           </a:bodyPr>
           <a:lstStyle/>
           <a:p>
@@ -15366,7 +15483,7 @@
           <a:p>
             <a:fld id="{E7244459-F2A5-4FF9-8125-3DD79827DEF5}" type="datetime1">
               <a:rPr lang="en-US" smtClean="0"/>
-              <a:t>8/1/2018</a:t>
+              <a:t>8/11/2018</a:t>
             </a:fld>
             <a:endParaRPr lang="en-US" dirty="0"/>
           </a:p>
@@ -16724,7 +16841,7 @@
           <a:p>
             <a:fld id="{E7244459-F2A5-4FF9-8125-3DD79827DEF5}" type="datetime1">
               <a:rPr lang="en-US" smtClean="0"/>
-              <a:t>8/1/2018</a:t>
+              <a:t>8/11/2018</a:t>
             </a:fld>
             <a:endParaRPr lang="en-US" dirty="0"/>
           </a:p>
@@ -17150,7 +17267,7 @@
           <a:p>
             <a:fld id="{E7244459-F2A5-4FF9-8125-3DD79827DEF5}" type="datetime1">
               <a:rPr lang="en-US" smtClean="0"/>
-              <a:t>8/1/2018</a:t>
+              <a:t>8/11/2018</a:t>
             </a:fld>
             <a:endParaRPr lang="en-US" dirty="0"/>
           </a:p>
@@ -17775,7 +17892,7 @@
           <a:p>
             <a:fld id="{E7244459-F2A5-4FF9-8125-3DD79827DEF5}" type="datetime1">
               <a:rPr lang="en-US" smtClean="0"/>
-              <a:t>8/1/2018</a:t>
+              <a:t>8/11/2018</a:t>
             </a:fld>
             <a:endParaRPr lang="en-US" dirty="0"/>
           </a:p>
@@ -18503,7 +18620,7 @@
           <a:p>
             <a:fld id="{E7244459-F2A5-4FF9-8125-3DD79827DEF5}" type="datetime1">
               <a:rPr lang="en-US" smtClean="0"/>
-              <a:t>8/1/2018</a:t>
+              <a:t>8/11/2018</a:t>
             </a:fld>
             <a:endParaRPr lang="en-US" dirty="0"/>
           </a:p>
@@ -19380,7 +19497,7 @@
           <a:p>
             <a:fld id="{E7244459-F2A5-4FF9-8125-3DD79827DEF5}" type="datetime1">
               <a:rPr lang="en-US" smtClean="0"/>
-              <a:t>8/1/2018</a:t>
+              <a:t>8/11/2018</a:t>
             </a:fld>
             <a:endParaRPr lang="en-US" dirty="0"/>
           </a:p>
@@ -20133,7 +20250,7 @@
           <a:p>
             <a:fld id="{E7244459-F2A5-4FF9-8125-3DD79827DEF5}" type="datetime1">
               <a:rPr lang="en-US" smtClean="0"/>
-              <a:t>8/1/2018</a:t>
+              <a:t>8/11/2018</a:t>
             </a:fld>
             <a:endParaRPr lang="en-US" dirty="0"/>
           </a:p>
@@ -20504,7 +20621,7 @@
             <a:fld id="{13570084-B57A-493D-8A30-572F2D9F55F8}" type="datetime1">
               <a:rPr lang="en-US" smtClean="0"/>
               <a:pPr/>
-              <a:t>8/1/2018</a:t>
+              <a:t>8/11/2018</a:t>
             </a:fld>
             <a:endParaRPr lang="en-US" dirty="0"/>
           </a:p>
@@ -21058,7 +21175,7 @@
           <a:p>
             <a:fld id="{E7244459-F2A5-4FF9-8125-3DD79827DEF5}" type="datetime1">
               <a:rPr lang="en-US" smtClean="0"/>
-              <a:t>8/1/2018</a:t>
+              <a:t>8/11/2018</a:t>
             </a:fld>
             <a:endParaRPr lang="en-US" dirty="0"/>
           </a:p>
@@ -22805,7 +22922,7 @@
           <a:p>
             <a:fld id="{E7244459-F2A5-4FF9-8125-3DD79827DEF5}" type="datetime1">
               <a:rPr lang="en-US" smtClean="0"/>
-              <a:t>8/1/2018</a:t>
+              <a:t>8/11/2018</a:t>
             </a:fld>
             <a:endParaRPr lang="en-US" dirty="0"/>
           </a:p>
@@ -23611,7 +23728,7 @@
           <a:p>
             <a:fld id="{E7244459-F2A5-4FF9-8125-3DD79827DEF5}" type="datetime1">
               <a:rPr lang="en-US" smtClean="0"/>
-              <a:t>8/1/2018</a:t>
+              <a:t>8/11/2018</a:t>
             </a:fld>
             <a:endParaRPr lang="en-US" dirty="0"/>
           </a:p>
@@ -24150,7 +24267,7 @@
           <a:p>
             <a:fld id="{E7244459-F2A5-4FF9-8125-3DD79827DEF5}" type="datetime1">
               <a:rPr lang="en-US" smtClean="0"/>
-              <a:t>8/1/2018</a:t>
+              <a:t>8/11/2018</a:t>
             </a:fld>
             <a:endParaRPr lang="en-US" dirty="0"/>
           </a:p>
@@ -25034,7 +25151,7 @@
           <a:p>
             <a:fld id="{E7244459-F2A5-4FF9-8125-3DD79827DEF5}" type="datetime1">
               <a:rPr lang="en-US" smtClean="0"/>
-              <a:t>8/1/2018</a:t>
+              <a:t>8/11/2018</a:t>
             </a:fld>
             <a:endParaRPr lang="en-US" dirty="0"/>
           </a:p>
@@ -25522,7 +25639,7 @@
           <a:p>
             <a:fld id="{E7244459-F2A5-4FF9-8125-3DD79827DEF5}" type="datetime1">
               <a:rPr lang="en-US" smtClean="0"/>
-              <a:t>8/1/2018</a:t>
+              <a:t>8/11/2018</a:t>
             </a:fld>
             <a:endParaRPr lang="en-US" dirty="0"/>
           </a:p>
@@ -25854,7 +25971,7 @@
           <a:p>
             <a:fld id="{E7244459-F2A5-4FF9-8125-3DD79827DEF5}" type="datetime1">
               <a:rPr lang="en-US" smtClean="0"/>
-              <a:t>8/1/2018</a:t>
+              <a:t>8/11/2018</a:t>
             </a:fld>
             <a:endParaRPr lang="en-US" dirty="0"/>
           </a:p>
@@ -26039,7 +26156,7 @@
           <a:p>
             <a:fld id="{E7244459-F2A5-4FF9-8125-3DD79827DEF5}" type="datetime1">
               <a:rPr lang="en-US" smtClean="0"/>
-              <a:t>8/1/2018</a:t>
+              <a:t>8/11/2018</a:t>
             </a:fld>
             <a:endParaRPr lang="en-US" dirty="0"/>
           </a:p>
@@ -26378,8 +26495,8 @@
         </p:blipFill>
         <p:spPr>
           <a:xfrm>
-            <a:off x="6204167" y="1825625"/>
-            <a:ext cx="5117666" cy="4351338"/>
+            <a:off x="6172200" y="1552464"/>
+            <a:ext cx="5468938" cy="4650009"/>
           </a:xfrm>
           <a:prstGeom prst="rect">
             <a:avLst/>
@@ -26403,7 +26520,7 @@
           <a:p>
             <a:fld id="{E7244459-F2A5-4FF9-8125-3DD79827DEF5}" type="datetime1">
               <a:rPr lang="en-US" smtClean="0"/>
-              <a:t>8/1/2018</a:t>
+              <a:t>8/11/2018</a:t>
             </a:fld>
             <a:endParaRPr lang="en-US" dirty="0"/>
           </a:p>
@@ -26731,7 +26848,7 @@
           <a:p>
             <a:fld id="{E7244459-F2A5-4FF9-8125-3DD79827DEF5}" type="datetime1">
               <a:rPr lang="en-US" smtClean="0"/>
-              <a:t>8/1/2018</a:t>
+              <a:t>8/11/2018</a:t>
             </a:fld>
             <a:endParaRPr lang="en-US" dirty="0"/>
           </a:p>
@@ -26835,8 +26952,8 @@
           </a:p>
         </p:txBody>
       </p:sp>
-      <mc:AlternateContent xmlns:mc="http://schemas.openxmlformats.org/markup-compatibility/2006" xmlns:a14="http://schemas.microsoft.com/office/drawing/2010/main">
-        <mc:Choice Requires="a14">
+      <mc:AlternateContent xmlns:mc="http://schemas.openxmlformats.org/markup-compatibility/2006">
+        <mc:Choice xmlns:a14="http://schemas.microsoft.com/office/drawing/2010/main" Requires="a14">
           <p:sp>
             <p:nvSpPr>
               <p:cNvPr id="3" name="Content Placeholder 2"/>
@@ -26850,7 +26967,7 @@
             <p:spPr/>
             <p:txBody>
               <a:bodyPr>
-                <a:normAutofit fontScale="92500" lnSpcReduction="10000"/>
+                <a:normAutofit/>
               </a:bodyPr>
               <a:lstStyle/>
               <a:p>
@@ -27950,7 +28067,7 @@
             </p:txBody>
           </p:sp>
         </mc:Choice>
-        <mc:Fallback xmlns="">
+        <mc:Fallback>
           <p:sp>
             <p:nvSpPr>
               <p:cNvPr id="3" name="Content Placeholder 2"/>
@@ -27965,7 +28082,7 @@
               <a:blipFill>
                 <a:blip r:embed="rId2"/>
                 <a:stretch>
-                  <a:fillRect l="-1882" t="-2801"/>
+                  <a:fillRect l="-1954" t="-1932"/>
                 </a:stretch>
               </a:blipFill>
             </p:spPr>
@@ -28027,7 +28144,7 @@
           <a:p>
             <a:fld id="{E7244459-F2A5-4FF9-8125-3DD79827DEF5}" type="datetime1">
               <a:rPr lang="en-US" smtClean="0"/>
-              <a:t>8/1/2018</a:t>
+              <a:t>8/11/2018</a:t>
             </a:fld>
             <a:endParaRPr lang="en-US" dirty="0"/>
           </a:p>
@@ -28182,7 +28299,7 @@
             <a:fld id="{13570084-B57A-493D-8A30-572F2D9F55F8}" type="datetime1">
               <a:rPr lang="en-US" smtClean="0"/>
               <a:pPr/>
-              <a:t>8/1/2018</a:t>
+              <a:t>8/11/2018</a:t>
             </a:fld>
             <a:endParaRPr lang="en-US" dirty="0"/>
           </a:p>
@@ -28594,7 +28711,7 @@
           <a:p>
             <a:fld id="{E7244459-F2A5-4FF9-8125-3DD79827DEF5}" type="datetime1">
               <a:rPr lang="en-US" smtClean="0"/>
-              <a:t>8/1/2018</a:t>
+              <a:t>8/11/2018</a:t>
             </a:fld>
             <a:endParaRPr lang="en-US" dirty="0"/>
           </a:p>
@@ -28854,7 +28971,7 @@
           <a:p>
             <a:fld id="{E7244459-F2A5-4FF9-8125-3DD79827DEF5}" type="datetime1">
               <a:rPr lang="en-US" smtClean="0"/>
-              <a:t>8/1/2018</a:t>
+              <a:t>8/11/2018</a:t>
             </a:fld>
             <a:endParaRPr lang="en-US" dirty="0"/>
           </a:p>
@@ -29239,7 +29356,7 @@
         </p:blipFill>
         <p:spPr>
           <a:xfrm>
-            <a:off x="6653476" y="2229865"/>
+            <a:off x="6797145" y="2106040"/>
             <a:ext cx="4219048" cy="3542857"/>
           </a:xfrm>
           <a:prstGeom prst="rect">
@@ -29264,7 +29381,7 @@
           <a:p>
             <a:fld id="{E7244459-F2A5-4FF9-8125-3DD79827DEF5}" type="datetime1">
               <a:rPr lang="en-US" smtClean="0"/>
-              <a:t>8/1/2018</a:t>
+              <a:t>8/11/2018</a:t>
             </a:fld>
             <a:endParaRPr lang="en-US" dirty="0"/>
           </a:p>
@@ -29647,7 +29764,7 @@
           <a:p>
             <a:fld id="{E7244459-F2A5-4FF9-8125-3DD79827DEF5}" type="datetime1">
               <a:rPr lang="en-US" smtClean="0"/>
-              <a:t>8/1/2018</a:t>
+              <a:t>8/11/2018</a:t>
             </a:fld>
             <a:endParaRPr lang="en-US" dirty="0"/>
           </a:p>
@@ -29877,7 +29994,7 @@
           <a:p>
             <a:fld id="{E7244459-F2A5-4FF9-8125-3DD79827DEF5}" type="datetime1">
               <a:rPr lang="en-US" smtClean="0"/>
-              <a:t>8/1/2018</a:t>
+              <a:t>8/11/2018</a:t>
             </a:fld>
             <a:endParaRPr lang="en-US" dirty="0"/>
           </a:p>
@@ -30126,7 +30243,7 @@
           <a:p>
             <a:fld id="{E7244459-F2A5-4FF9-8125-3DD79827DEF5}" type="datetime1">
               <a:rPr lang="en-US" smtClean="0"/>
-              <a:t>8/1/2018</a:t>
+              <a:t>8/11/2018</a:t>
             </a:fld>
             <a:endParaRPr lang="en-US" dirty="0"/>
           </a:p>
@@ -30363,7 +30480,7 @@
         </p:blipFill>
         <p:spPr>
           <a:xfrm>
-            <a:off x="6653476" y="2229865"/>
+            <a:off x="6797145" y="2106040"/>
             <a:ext cx="4219048" cy="3542857"/>
           </a:xfrm>
           <a:prstGeom prst="rect">
@@ -30388,7 +30505,7 @@
           <a:p>
             <a:fld id="{E7244459-F2A5-4FF9-8125-3DD79827DEF5}" type="datetime1">
               <a:rPr lang="en-US" smtClean="0"/>
-              <a:t>8/1/2018</a:t>
+              <a:t>8/11/2018</a:t>
             </a:fld>
             <a:endParaRPr lang="en-US" dirty="0"/>
           </a:p>
@@ -30547,7 +30664,7 @@
         </p:blipFill>
         <p:spPr>
           <a:xfrm>
-            <a:off x="6653476" y="2229865"/>
+            <a:off x="6797145" y="2106040"/>
             <a:ext cx="4219048" cy="3542857"/>
           </a:xfrm>
           <a:prstGeom prst="rect">
@@ -30572,7 +30689,7 @@
           <a:p>
             <a:fld id="{E7244459-F2A5-4FF9-8125-3DD79827DEF5}" type="datetime1">
               <a:rPr lang="en-US" smtClean="0"/>
-              <a:t>8/1/2018</a:t>
+              <a:t>8/11/2018</a:t>
             </a:fld>
             <a:endParaRPr lang="en-US" dirty="0"/>
           </a:p>
@@ -30808,7 +30925,7 @@
             <a:fld id="{13570084-B57A-493D-8A30-572F2D9F55F8}" type="datetime1">
               <a:rPr lang="en-US" smtClean="0"/>
               <a:pPr/>
-              <a:t>8/1/2018</a:t>
+              <a:t>8/11/2018</a:t>
             </a:fld>
             <a:endParaRPr lang="en-US" dirty="0"/>
           </a:p>
@@ -31470,7 +31587,7 @@
           <a:p>
             <a:fld id="{E7244459-F2A5-4FF9-8125-3DD79827DEF5}" type="datetime1">
               <a:rPr lang="en-US" smtClean="0"/>
-              <a:t>8/1/2018</a:t>
+              <a:t>8/11/2018</a:t>
             </a:fld>
             <a:endParaRPr lang="en-US" dirty="0"/>
           </a:p>
@@ -31565,7 +31682,7 @@
         <p:spPr/>
         <p:txBody>
           <a:bodyPr>
-            <a:normAutofit/>
+            <a:normAutofit fontScale="90000"/>
           </a:bodyPr>
           <a:lstStyle/>
           <a:p>
@@ -31856,7 +31973,7 @@
           <a:p>
             <a:fld id="{E7244459-F2A5-4FF9-8125-3DD79827DEF5}" type="datetime1">
               <a:rPr lang="en-US" smtClean="0"/>
-              <a:t>8/1/2018</a:t>
+              <a:t>8/11/2018</a:t>
             </a:fld>
             <a:endParaRPr lang="en-US" dirty="0"/>
           </a:p>
@@ -32248,7 +32365,7 @@
           <a:p>
             <a:fld id="{E7244459-F2A5-4FF9-8125-3DD79827DEF5}" type="datetime1">
               <a:rPr lang="en-US" smtClean="0"/>
-              <a:t>8/1/2018</a:t>
+              <a:t>8/11/2018</a:t>
             </a:fld>
             <a:endParaRPr lang="en-US" dirty="0"/>
           </a:p>
@@ -32470,7 +32587,7 @@
           <a:p>
             <a:fld id="{E7244459-F2A5-4FF9-8125-3DD79827DEF5}" type="datetime1">
               <a:rPr lang="en-US" smtClean="0"/>
-              <a:t>8/1/2018</a:t>
+              <a:t>8/11/2018</a:t>
             </a:fld>
             <a:endParaRPr lang="en-US" dirty="0"/>
           </a:p>
@@ -32675,7 +32792,7 @@
           <a:p>
             <a:fld id="{E7244459-F2A5-4FF9-8125-3DD79827DEF5}" type="datetime1">
               <a:rPr lang="en-US" smtClean="0"/>
-              <a:t>8/1/2018</a:t>
+              <a:t>8/11/2018</a:t>
             </a:fld>
             <a:endParaRPr lang="en-US" dirty="0"/>
           </a:p>
@@ -32995,7 +33112,7 @@
   <a:extraClrSchemeLst/>
   <a:extLst>
     <a:ext uri="{05A4C25C-085E-4340-85A3-A5531E510DB2}">
-      <thm15:themeFamily xmlns:thm15="http://schemas.microsoft.com/office/thememl/2012/main" name="Lesson 12 - Data Analytics - GLMs" id="{2D671843-01B0-4809-83B7-DCD6022711AC}" vid="{631529AC-459A-4F8A-9050-54C0368E42C7}"/>
+      <thm15:themeFamily xmlns:thm15="http://schemas.microsoft.com/office/thememl/2012/main" name="Analytics_World" id="{0D0CA6F4-4249-491F-90A1-38D2E759BAFB}" vid="{73C02A8C-8EF0-4E7B-9EF2-CA7EFEB1E564}"/>
     </a:ext>
   </a:extLst>
 </a:theme>
